--- a/MiniProject/PHD_Symposium.pptx
+++ b/MiniProject/PHD_Symposium.pptx
@@ -118,7 +118,7 @@
           <a:p>
             <a:fld id="{F7E4AE6F-366D-4129-A329-13FD2C75414D}" type="datetimeFigureOut">
               <a:rPr lang="en-GB" smtClean="0"/>
-              <a:t>01/05/2024</a:t>
+              <a:t>02/05/2024</a:t>
             </a:fld>
             <a:endParaRPr lang="en-GB"/>
           </a:p>
@@ -617,7 +617,7 @@
           <a:p>
             <a:fld id="{1D8BD707-D9CF-40AE-B4C6-C98DA3205C09}" type="datetimeFigureOut">
               <a:rPr lang="en-US"/>
-              <a:t>5/1/24</a:t>
+              <a:t>5/2/24</a:t>
             </a:fld>
             <a:endParaRPr lang="en-US"/>
           </a:p>
@@ -793,7 +793,7 @@
           <a:p>
             <a:fld id="{1D8BD707-D9CF-40AE-B4C6-C98DA3205C09}" type="datetimeFigureOut">
               <a:rPr lang="en-US"/>
-              <a:t>5/1/24</a:t>
+              <a:t>5/2/24</a:t>
             </a:fld>
             <a:endParaRPr lang="en-US"/>
           </a:p>
@@ -1012,7 +1012,7 @@
           <a:p>
             <a:fld id="{1D8BD707-D9CF-40AE-B4C6-C98DA3205C09}" type="datetimeFigureOut">
               <a:rPr lang="en-US"/>
-              <a:t>5/1/24</a:t>
+              <a:t>5/2/24</a:t>
             </a:fld>
             <a:endParaRPr lang="en-US"/>
           </a:p>
@@ -1165,7 +1165,7 @@
           <a:p>
             <a:fld id="{1D8BD707-D9CF-40AE-B4C6-C98DA3205C09}" type="datetimeFigureOut">
               <a:rPr lang="en-US"/>
-              <a:t>5/1/24</a:t>
+              <a:t>5/2/24</a:t>
             </a:fld>
             <a:endParaRPr lang="en-US"/>
           </a:p>
@@ -1284,7 +1284,7 @@
           <a:p>
             <a:fld id="{1D8BD707-D9CF-40AE-B4C6-C98DA3205C09}" type="datetimeFigureOut">
               <a:rPr lang="en-US"/>
-              <a:t>5/1/24</a:t>
+              <a:t>5/2/24</a:t>
             </a:fld>
             <a:endParaRPr lang="en-US"/>
           </a:p>
@@ -1503,7 +1503,7 @@
           <a:p>
             <a:fld id="{1D8BD707-D9CF-40AE-B4C6-C98DA3205C09}" type="datetimeFigureOut">
               <a:rPr lang="en-US"/>
-              <a:t>5/1/24</a:t>
+              <a:t>5/2/24</a:t>
             </a:fld>
             <a:endParaRPr lang="en-US"/>
           </a:p>
@@ -1724,10 +1724,10 @@
       </p:grpSpPr>
       <p:pic>
         <p:nvPicPr>
-          <p:cNvPr id="93" name="Picture 92" descr="A collage of a cat&#10;&#10;Description automatically generated">
+          <p:cNvPr id="89" name="Picture 88" descr="A graph of a graph with green lines&#10;&#10;Description automatically generated with medium confidence">
             <a:extLst>
               <a:ext uri="{FF2B5EF4-FFF2-40B4-BE49-F238E27FC236}">
-                <a16:creationId xmlns:a16="http://schemas.microsoft.com/office/drawing/2014/main" id="{355D7D80-A3DE-7708-377D-EFCE616E6BBB}"/>
+                <a16:creationId xmlns:a16="http://schemas.microsoft.com/office/drawing/2014/main" id="{FB518A3C-1BB7-FB6D-A96F-3C49A3C28847}"/>
               </a:ext>
             </a:extLst>
           </p:cNvPr>
@@ -1750,8 +1750,43 @@
         </p:blipFill>
         <p:spPr>
           <a:xfrm>
-            <a:off x="114300" y="9675049"/>
-            <a:ext cx="5572571" cy="5572571"/>
+            <a:off x="5375456" y="9996353"/>
+            <a:ext cx="8340970" cy="5004582"/>
+          </a:xfrm>
+          <a:prstGeom prst="rect">
+            <a:avLst/>
+          </a:prstGeom>
+        </p:spPr>
+      </p:pic>
+      <p:pic>
+        <p:nvPicPr>
+          <p:cNvPr id="93" name="Picture 92" descr="A collage of a cat&#10;&#10;Description automatically generated">
+            <a:extLst>
+              <a:ext uri="{FF2B5EF4-FFF2-40B4-BE49-F238E27FC236}">
+                <a16:creationId xmlns:a16="http://schemas.microsoft.com/office/drawing/2014/main" id="{355D7D80-A3DE-7708-377D-EFCE616E6BBB}"/>
+              </a:ext>
+            </a:extLst>
+          </p:cNvPr>
+          <p:cNvPicPr>
+            <a:picLocks noChangeAspect="1"/>
+          </p:cNvPicPr>
+          <p:nvPr/>
+        </p:nvPicPr>
+        <p:blipFill rotWithShape="1">
+          <a:blip r:embed="rId4">
+            <a:extLst>
+              <a:ext uri="{28A0092B-C50C-407E-A947-70E740481C1C}">
+                <a14:useLocalDpi xmlns:a14="http://schemas.microsoft.com/office/drawing/2010/main" val="0"/>
+              </a:ext>
+            </a:extLst>
+          </a:blip>
+          <a:srcRect l="10299" t="6967" r="4717" b="8731"/>
+          <a:stretch/>
+        </p:blipFill>
+        <p:spPr>
+          <a:xfrm>
+            <a:off x="662787" y="10037934"/>
+            <a:ext cx="4735868" cy="4697758"/>
           </a:xfrm>
           <a:prstGeom prst="rect">
             <a:avLst/>
@@ -1773,7 +1808,7 @@
           <p:nvPr/>
         </p:nvPicPr>
         <p:blipFill rotWithShape="1">
-          <a:blip r:embed="rId4">
+          <a:blip r:embed="rId5">
             <a:extLst>
               <a:ext uri="{28A0092B-C50C-407E-A947-70E740481C1C}">
                 <a14:useLocalDpi xmlns:a14="http://schemas.microsoft.com/office/drawing/2010/main" val="0"/>
@@ -1785,44 +1820,8 @@
         </p:blipFill>
         <p:spPr>
           <a:xfrm>
-            <a:off x="12915900" y="9902437"/>
+            <a:off x="13119100" y="9927837"/>
             <a:ext cx="8053873" cy="5086042"/>
-          </a:xfrm>
-          <a:prstGeom prst="rect">
-            <a:avLst/>
-          </a:prstGeom>
-        </p:spPr>
-      </p:pic>
-      <p:pic>
-        <p:nvPicPr>
-          <p:cNvPr id="89" name="Picture 88" descr="A graph of a graph with green lines&#10;&#10;Description automatically generated with medium confidence">
-            <a:extLst>
-              <a:ext uri="{FF2B5EF4-FFF2-40B4-BE49-F238E27FC236}">
-                <a16:creationId xmlns:a16="http://schemas.microsoft.com/office/drawing/2014/main" id="{FB518A3C-1BB7-FB6D-A96F-3C49A3C28847}"/>
-              </a:ext>
-            </a:extLst>
-          </p:cNvPr>
-          <p:cNvPicPr>
-            <a:picLocks noChangeAspect="1"/>
-          </p:cNvPicPr>
-          <p:nvPr/>
-        </p:nvPicPr>
-        <p:blipFill>
-          <a:blip r:embed="rId5">
-            <a:extLst>
-              <a:ext uri="{28A0092B-C50C-407E-A947-70E740481C1C}">
-                <a14:useLocalDpi xmlns:a14="http://schemas.microsoft.com/office/drawing/2010/main" val="0"/>
-              </a:ext>
-            </a:extLst>
-          </a:blip>
-          <a:stretch>
-            <a:fillRect/>
-          </a:stretch>
-        </p:blipFill>
-        <p:spPr>
-          <a:xfrm>
-            <a:off x="5045256" y="9945553"/>
-            <a:ext cx="8340970" cy="5004582"/>
           </a:xfrm>
           <a:prstGeom prst="rect">
             <a:avLst/>
@@ -1843,8 +1842,8 @@
         </p:nvSpPr>
         <p:spPr>
           <a:xfrm>
-            <a:off x="356819" y="2344386"/>
-            <a:ext cx="7175636" cy="2506961"/>
+            <a:off x="388451" y="2194194"/>
+            <a:ext cx="7067803" cy="2657154"/>
           </a:xfrm>
           <a:prstGeom prst="roundRect">
             <a:avLst>
@@ -1852,7 +1851,7 @@
             </a:avLst>
           </a:prstGeom>
           <a:noFill/>
-          <a:ln w="76200">
+          <a:ln w="50800">
             <a:solidFill>
               <a:schemeClr val="accent5">
                 <a:lumMod val="75000"/>
@@ -2109,15 +2108,15 @@
       </p:sp>
       <p:pic>
         <p:nvPicPr>
-          <p:cNvPr id="1033" name="Picture 9">
+          <p:cNvPr id="17" name="Picture 16" descr="A close up of a cat&#10;&#10;Description automatically generated">
             <a:extLst>
               <a:ext uri="{FF2B5EF4-FFF2-40B4-BE49-F238E27FC236}">
-                <a16:creationId xmlns:a16="http://schemas.microsoft.com/office/drawing/2014/main" id="{EC9BEC80-6342-F5DB-31BE-E7A64214B4E1}"/>
+                <a16:creationId xmlns:a16="http://schemas.microsoft.com/office/drawing/2014/main" id="{63808C9D-D52C-C682-1BC0-2CBD42F01373}"/>
               </a:ext>
             </a:extLst>
           </p:cNvPr>
           <p:cNvPicPr>
-            <a:picLocks noChangeAspect="1" noChangeArrowheads="1"/>
+            <a:picLocks noChangeAspect="1"/>
           </p:cNvPicPr>
           <p:nvPr/>
         </p:nvPicPr>
@@ -2129,37 +2128,26 @@
               </a:ext>
             </a:extLst>
           </a:blip>
-          <a:srcRect/>
           <a:stretch>
             <a:fillRect/>
           </a:stretch>
         </p:blipFill>
-        <p:spPr bwMode="auto">
-          <a:xfrm>
-            <a:off x="14835168" y="2332677"/>
-            <a:ext cx="6134605" cy="7143165"/>
+        <p:spPr>
+          <a:xfrm>
+            <a:off x="699566" y="2797218"/>
+            <a:ext cx="1309119" cy="1334294"/>
           </a:xfrm>
           <a:prstGeom prst="rect">
             <a:avLst/>
           </a:prstGeom>
-          <a:noFill/>
-          <a:extLst>
-            <a:ext uri="{909E8E84-426E-40DD-AFC4-6F175D3DCCD1}">
-              <a14:hiddenFill xmlns:a14="http://schemas.microsoft.com/office/drawing/2010/main">
-                <a:solidFill>
-                  <a:srgbClr val="FFFFFF"/>
-                </a:solidFill>
-              </a14:hiddenFill>
-            </a:ext>
-          </a:extLst>
         </p:spPr>
       </p:pic>
       <p:pic>
         <p:nvPicPr>
-          <p:cNvPr id="17" name="Picture 16" descr="A close up of a cat&#10;&#10;Description automatically generated">
+          <p:cNvPr id="19" name="Picture 18" descr="A close-up of a colorful background&#10;&#10;Description automatically generated">
             <a:extLst>
               <a:ext uri="{FF2B5EF4-FFF2-40B4-BE49-F238E27FC236}">
-                <a16:creationId xmlns:a16="http://schemas.microsoft.com/office/drawing/2014/main" id="{63808C9D-D52C-C682-1BC0-2CBD42F01373}"/>
+                <a16:creationId xmlns:a16="http://schemas.microsoft.com/office/drawing/2014/main" id="{995CD645-76FD-874E-4839-C494962FFFE1}"/>
               </a:ext>
             </a:extLst>
           </p:cNvPr>
@@ -2182,43 +2170,7 @@
         </p:blipFill>
         <p:spPr>
           <a:xfrm>
-            <a:off x="775766" y="2797218"/>
-            <a:ext cx="1309119" cy="1334294"/>
-          </a:xfrm>
-          <a:prstGeom prst="rect">
-            <a:avLst/>
-          </a:prstGeom>
-        </p:spPr>
-      </p:pic>
-      <p:pic>
-        <p:nvPicPr>
-          <p:cNvPr id="19" name="Picture 18" descr="A close-up of a colorful background&#10;&#10;Description automatically generated">
-            <a:extLst>
-              <a:ext uri="{FF2B5EF4-FFF2-40B4-BE49-F238E27FC236}">
-                <a16:creationId xmlns:a16="http://schemas.microsoft.com/office/drawing/2014/main" id="{995CD645-76FD-874E-4839-C494962FFFE1}"/>
-              </a:ext>
-            </a:extLst>
-          </p:cNvPr>
-          <p:cNvPicPr>
-            <a:picLocks noChangeAspect="1"/>
-          </p:cNvPicPr>
-          <p:nvPr/>
-        </p:nvPicPr>
-        <p:blipFill>
-          <a:blip r:embed="rId9">
-            <a:extLst>
-              <a:ext uri="{28A0092B-C50C-407E-A947-70E740481C1C}">
-                <a14:useLocalDpi xmlns:a14="http://schemas.microsoft.com/office/drawing/2010/main" val="0"/>
-              </a:ext>
-            </a:extLst>
-          </a:blip>
-          <a:stretch>
-            <a:fillRect/>
-          </a:stretch>
-        </p:blipFill>
-        <p:spPr>
-          <a:xfrm>
-            <a:off x="4034413" y="2797218"/>
+            <a:off x="3958213" y="2797218"/>
             <a:ext cx="1309119" cy="1334294"/>
           </a:xfrm>
           <a:prstGeom prst="rect">
@@ -2241,7 +2193,7 @@
           <p:nvPr/>
         </p:nvPicPr>
         <p:blipFill>
-          <a:blip r:embed="rId8">
+          <a:blip r:embed="rId7">
             <a:extLst>
               <a:ext uri="{28A0092B-C50C-407E-A947-70E740481C1C}">
                 <a14:useLocalDpi xmlns:a14="http://schemas.microsoft.com/office/drawing/2010/main" val="0"/>
@@ -2254,7 +2206,7 @@
         </p:blipFill>
         <p:spPr>
           <a:xfrm>
-            <a:off x="5997353" y="2821282"/>
+            <a:off x="5921153" y="2821282"/>
             <a:ext cx="1309119" cy="1334294"/>
           </a:xfrm>
           <a:prstGeom prst="rect">
@@ -2276,7 +2228,7 @@
         </p:nvSpPr>
         <p:spPr>
           <a:xfrm>
-            <a:off x="2096567" y="3053964"/>
+            <a:off x="2020367" y="3053964"/>
             <a:ext cx="419588" cy="579603"/>
           </a:xfrm>
           <a:prstGeom prst="rect">
@@ -2316,7 +2268,7 @@
         </p:nvSpPr>
         <p:spPr>
           <a:xfrm>
-            <a:off x="2427680" y="3109095"/>
+            <a:off x="2351480" y="3109095"/>
             <a:ext cx="1095415" cy="523220"/>
           </a:xfrm>
           <a:prstGeom prst="rect">
@@ -2356,7 +2308,7 @@
         </p:nvSpPr>
         <p:spPr>
           <a:xfrm>
-            <a:off x="3500251" y="3037924"/>
+            <a:off x="3424051" y="3037924"/>
             <a:ext cx="419587" cy="579603"/>
           </a:xfrm>
           <a:prstGeom prst="rect">
@@ -2395,7 +2347,7 @@
         </p:nvSpPr>
         <p:spPr>
           <a:xfrm>
-            <a:off x="5383865" y="3061986"/>
+            <a:off x="5307665" y="3061986"/>
             <a:ext cx="534733" cy="579603"/>
           </a:xfrm>
           <a:prstGeom prst="rect">
@@ -2434,7 +2386,7 @@
         </p:nvSpPr>
         <p:spPr>
           <a:xfrm>
-            <a:off x="994840" y="4211758"/>
+            <a:off x="918640" y="4211758"/>
             <a:ext cx="825907" cy="396571"/>
           </a:xfrm>
           <a:prstGeom prst="rect">
@@ -2474,7 +2426,7 @@
         </p:nvSpPr>
         <p:spPr>
           <a:xfrm>
-            <a:off x="6200553" y="4261266"/>
+            <a:off x="6124353" y="4261266"/>
             <a:ext cx="825907" cy="396571"/>
           </a:xfrm>
           <a:prstGeom prst="rect">
@@ -2514,7 +2466,7 @@
         </p:nvSpPr>
         <p:spPr>
           <a:xfrm>
-            <a:off x="3861196" y="4213139"/>
+            <a:off x="3784996" y="4213139"/>
             <a:ext cx="1667061" cy="400110"/>
           </a:xfrm>
           <a:prstGeom prst="rect">
@@ -2554,7 +2506,7 @@
         </p:nvSpPr>
         <p:spPr>
           <a:xfrm>
-            <a:off x="937425" y="2138206"/>
+            <a:off x="912025" y="2011206"/>
             <a:ext cx="6180475" cy="400110"/>
           </a:xfrm>
           <a:prstGeom prst="rect">
@@ -2583,21 +2535,33 @@
               <a:t>Problem: </a:t>
             </a:r>
             <a:r>
-              <a:rPr lang="en-GB" sz="2000" i="0" dirty="0">
-                <a:solidFill>
-                  <a:srgbClr val="0D0D0D"/>
+              <a:rPr lang="en-GB" sz="2000" b="1" i="0" dirty="0">
+                <a:solidFill>
+                  <a:srgbClr val="FF0000"/>
                 </a:solidFill>
                 <a:effectLst/>
                 <a:latin typeface="Roboto" panose="02000000000000000000" pitchFamily="2" charset="0"/>
                 <a:ea typeface="Roboto" panose="02000000000000000000" pitchFamily="2" charset="0"/>
                 <a:cs typeface="Roboto" panose="02000000000000000000" pitchFamily="2" charset="0"/>
               </a:rPr>
-              <a:t>robust deep </a:t>
+              <a:t>non-robust </a:t>
+            </a:r>
+            <a:r>
+              <a:rPr lang="en-GB" sz="2000" i="0" dirty="0">
+                <a:solidFill>
+                  <a:schemeClr val="tx1"/>
+                </a:solidFill>
+                <a:effectLst/>
+                <a:latin typeface="Roboto" panose="02000000000000000000" pitchFamily="2" charset="0"/>
+                <a:ea typeface="Roboto" panose="02000000000000000000" pitchFamily="2" charset="0"/>
+                <a:cs typeface="Roboto" panose="02000000000000000000" pitchFamily="2" charset="0"/>
+              </a:rPr>
+              <a:t>deep </a:t>
             </a:r>
             <a:r>
               <a:rPr lang="en-GB" sz="2000" dirty="0">
                 <a:solidFill>
-                  <a:srgbClr val="0D0D0D"/>
+                  <a:schemeClr val="tx1"/>
                 </a:solidFill>
                 <a:latin typeface="Roboto" panose="02000000000000000000" pitchFamily="2" charset="0"/>
                 <a:ea typeface="Roboto" panose="02000000000000000000" pitchFamily="2" charset="0"/>
@@ -2608,7 +2572,7 @@
             <a:r>
               <a:rPr lang="en-GB" sz="2000" i="0" dirty="0">
                 <a:solidFill>
-                  <a:srgbClr val="0D0D0D"/>
+                  <a:schemeClr val="tx1"/>
                 </a:solidFill>
                 <a:effectLst/>
                 <a:latin typeface="Roboto" panose="02000000000000000000" pitchFamily="2" charset="0"/>
@@ -2620,7 +2584,7 @@
             <a:r>
               <a:rPr lang="en-GB" sz="2000" dirty="0">
                 <a:solidFill>
-                  <a:srgbClr val="0D0D0D"/>
+                  <a:schemeClr val="tx1"/>
                 </a:solidFill>
                 <a:latin typeface="Roboto" panose="02000000000000000000" pitchFamily="2" charset="0"/>
                 <a:ea typeface="Roboto" panose="02000000000000000000" pitchFamily="2" charset="0"/>
@@ -2631,7 +2595,7 @@
             <a:r>
               <a:rPr lang="en-GB" sz="2000" i="0" dirty="0">
                 <a:solidFill>
-                  <a:srgbClr val="0D0D0D"/>
+                  <a:schemeClr val="tx1"/>
                 </a:solidFill>
                 <a:effectLst/>
                 <a:latin typeface="Roboto" panose="02000000000000000000" pitchFamily="2" charset="0"/>
@@ -2641,6 +2605,9 @@
               <a:t>pplications</a:t>
             </a:r>
             <a:endParaRPr lang="en-US" sz="2000" dirty="0">
+              <a:solidFill>
+                <a:schemeClr val="tx1"/>
+              </a:solidFill>
               <a:latin typeface="Roboto" panose="02000000000000000000" pitchFamily="2" charset="0"/>
               <a:ea typeface="Roboto" panose="02000000000000000000" pitchFamily="2" charset="0"/>
               <a:cs typeface="Roboto" panose="02000000000000000000" pitchFamily="2" charset="0"/>
@@ -2662,8 +2629,8 @@
         </p:nvSpPr>
         <p:spPr>
           <a:xfrm>
-            <a:off x="7901298" y="2329735"/>
-            <a:ext cx="6564591" cy="7274123"/>
+            <a:off x="7875898" y="2138207"/>
+            <a:ext cx="6564591" cy="7465652"/>
           </a:xfrm>
           <a:prstGeom prst="roundRect">
             <a:avLst>
@@ -2671,7 +2638,7 @@
             </a:avLst>
           </a:prstGeom>
           <a:noFill/>
-          <a:ln w="76200">
+          <a:ln w="50800">
             <a:solidFill>
               <a:schemeClr val="accent5">
                 <a:lumMod val="75000"/>
@@ -2718,7 +2685,7 @@
         </p:nvSpPr>
         <p:spPr>
           <a:xfrm>
-            <a:off x="359574" y="5289558"/>
+            <a:off x="334174" y="5289558"/>
             <a:ext cx="7175637" cy="4335565"/>
           </a:xfrm>
           <a:prstGeom prst="roundRect">
@@ -2727,7 +2694,7 @@
             </a:avLst>
           </a:prstGeom>
           <a:noFill/>
-          <a:ln w="76200">
+          <a:ln w="50800">
             <a:solidFill>
               <a:schemeClr val="accent5">
                 <a:lumMod val="75000"/>
@@ -2774,7 +2741,7 @@
         </p:nvSpPr>
         <p:spPr>
           <a:xfrm>
-            <a:off x="844110" y="5012855"/>
+            <a:off x="818710" y="5012855"/>
             <a:ext cx="6324705" cy="707886"/>
           </a:xfrm>
           <a:prstGeom prst="rect">
@@ -2818,12 +2785,27 @@
                 <a:ea typeface="Roboto" panose="02000000000000000000" pitchFamily="2" charset="0"/>
                 <a:cs typeface="Roboto" panose="02000000000000000000" pitchFamily="2" charset="0"/>
               </a:rPr>
-              <a:t>: no proper criteria fo</a:t>
+              <a:t>: </a:t>
+            </a:r>
+            <a:r>
+              <a:rPr lang="en-GB" sz="2000" i="0" dirty="0">
+                <a:solidFill>
+                  <a:schemeClr val="tx1"/>
+                </a:solidFill>
+                <a:effectLst/>
+                <a:highlight>
+                  <a:srgbClr val="FFFFFF"/>
+                </a:highlight>
+                <a:latin typeface="Roboto" panose="02000000000000000000" pitchFamily="2" charset="0"/>
+                <a:ea typeface="Roboto" panose="02000000000000000000" pitchFamily="2" charset="0"/>
+                <a:cs typeface="Roboto" panose="02000000000000000000" pitchFamily="2" charset="0"/>
+              </a:rPr>
+              <a:t>no proper criteria fo</a:t>
             </a:r>
             <a:r>
               <a:rPr lang="en-GB" sz="2000" dirty="0">
                 <a:solidFill>
-                  <a:srgbClr val="0D0D0D"/>
+                  <a:schemeClr val="tx1"/>
                 </a:solidFill>
                 <a:highlight>
                   <a:srgbClr val="FFFFFF"/>
@@ -2837,7 +2819,7 @@
             <a:r>
               <a:rPr lang="en-GB" sz="2000" b="1" dirty="0">
                 <a:solidFill>
-                  <a:srgbClr val="0D0D0D"/>
+                  <a:srgbClr val="FF0000"/>
                 </a:solidFill>
                 <a:highlight>
                   <a:srgbClr val="FFFFFF"/>
@@ -2853,7 +2835,7 @@
             <a:r>
               <a:rPr lang="en-GB" sz="2000" dirty="0">
                 <a:solidFill>
-                  <a:srgbClr val="0D0D0D"/>
+                  <a:schemeClr val="tx1"/>
                 </a:solidFill>
                 <a:highlight>
                   <a:srgbClr val="FFFFFF"/>
@@ -2865,6 +2847,9 @@
               <a:t>to identify weakness</a:t>
             </a:r>
             <a:endParaRPr lang="en-US" sz="2000" dirty="0">
+              <a:solidFill>
+                <a:schemeClr val="tx1"/>
+              </a:solidFill>
               <a:latin typeface="Roboto" panose="02000000000000000000" pitchFamily="2" charset="0"/>
               <a:ea typeface="Roboto" panose="02000000000000000000" pitchFamily="2" charset="0"/>
               <a:cs typeface="Roboto" panose="02000000000000000000" pitchFamily="2" charset="0"/>
@@ -2886,7 +2871,7 @@
         </p:nvSpPr>
         <p:spPr>
           <a:xfrm>
-            <a:off x="14701058" y="2105357"/>
+            <a:off x="14675658" y="2105357"/>
             <a:ext cx="6395742" cy="7519766"/>
           </a:xfrm>
           <a:prstGeom prst="roundRect">
@@ -2895,7 +2880,7 @@
             </a:avLst>
           </a:prstGeom>
           <a:noFill/>
-          <a:ln w="76200">
+          <a:ln w="50800">
             <a:solidFill>
               <a:schemeClr val="accent5">
                 <a:lumMod val="75000"/>
@@ -2942,7 +2927,7 @@
         </p:nvSpPr>
         <p:spPr>
           <a:xfrm>
-            <a:off x="385245" y="9854349"/>
+            <a:off x="359845" y="9879749"/>
             <a:ext cx="20711555" cy="5005673"/>
           </a:xfrm>
           <a:prstGeom prst="roundRect">
@@ -2951,7 +2936,7 @@
             </a:avLst>
           </a:prstGeom>
           <a:noFill/>
-          <a:ln w="76200">
+          <a:ln w="50800">
             <a:solidFill>
               <a:schemeClr val="accent5">
                 <a:lumMod val="75000"/>
@@ -3002,8 +2987,8 @@
         </p:nvSpPr>
         <p:spPr>
           <a:xfrm>
-            <a:off x="14130847" y="9725892"/>
-            <a:ext cx="6564591" cy="400110"/>
+            <a:off x="14008583" y="9651556"/>
+            <a:ext cx="6727161" cy="400110"/>
           </a:xfrm>
           <a:prstGeom prst="rect">
             <a:avLst/>
@@ -3046,6 +3031,36 @@
                 <a:ea typeface="Roboto" panose="02000000000000000000" pitchFamily="2" charset="0"/>
                 <a:cs typeface="Roboto" panose="02000000000000000000" pitchFamily="2" charset="0"/>
               </a:rPr>
+              <a:t>evaluate</a:t>
+            </a:r>
+            <a:r>
+              <a:rPr lang="en-GB" sz="2000" b="1" i="0" dirty="0">
+                <a:solidFill>
+                  <a:srgbClr val="0D0D0D"/>
+                </a:solidFill>
+                <a:effectLst/>
+                <a:highlight>
+                  <a:srgbClr val="FFFFFF"/>
+                </a:highlight>
+                <a:latin typeface="Roboto" panose="02000000000000000000" pitchFamily="2" charset="0"/>
+                <a:ea typeface="Roboto" panose="02000000000000000000" pitchFamily="2" charset="0"/>
+                <a:cs typeface="Roboto" panose="02000000000000000000" pitchFamily="2" charset="0"/>
+              </a:rPr>
+              <a:t> </a:t>
+            </a:r>
+            <a:r>
+              <a:rPr lang="en-GB" sz="2000" i="0" dirty="0">
+                <a:solidFill>
+                  <a:srgbClr val="0D0D0D"/>
+                </a:solidFill>
+                <a:effectLst/>
+                <a:highlight>
+                  <a:srgbClr val="FFFFFF"/>
+                </a:highlight>
+                <a:latin typeface="Roboto" panose="02000000000000000000" pitchFamily="2" charset="0"/>
+                <a:ea typeface="Roboto" panose="02000000000000000000" pitchFamily="2" charset="0"/>
+                <a:cs typeface="Roboto" panose="02000000000000000000" pitchFamily="2" charset="0"/>
+              </a:rPr>
               <a:t>local robustness with rotation property</a:t>
             </a:r>
             <a:endParaRPr lang="en-US" sz="2000" dirty="0">
@@ -3070,8 +3085,8 @@
         </p:nvSpPr>
         <p:spPr>
           <a:xfrm>
-            <a:off x="6168676" y="9703129"/>
-            <a:ext cx="6518792" cy="400110"/>
+            <a:off x="6300508" y="9677729"/>
+            <a:ext cx="7425749" cy="400110"/>
           </a:xfrm>
           <a:prstGeom prst="rect">
             <a:avLst/>
@@ -3102,6 +3117,20 @@
               <a:t> Result 2: </a:t>
             </a:r>
             <a:r>
+              <a:rPr lang="en-GB" sz="2000" dirty="0">
+                <a:solidFill>
+                  <a:srgbClr val="0D0D0D"/>
+                </a:solidFill>
+                <a:highlight>
+                  <a:srgbClr val="FFFFFF"/>
+                </a:highlight>
+                <a:latin typeface="Roboto" panose="02000000000000000000" pitchFamily="2" charset="0"/>
+                <a:ea typeface="Roboto" panose="02000000000000000000" pitchFamily="2" charset="0"/>
+                <a:cs typeface="Roboto" panose="02000000000000000000" pitchFamily="2" charset="0"/>
+              </a:rPr>
+              <a:t>system robustness affected </a:t>
+            </a:r>
+            <a:r>
               <a:rPr lang="en-GB" sz="2000" i="0" dirty="0">
                 <a:solidFill>
                   <a:srgbClr val="0D0D0D"/>
@@ -3114,7 +3143,7 @@
                 <a:ea typeface="Roboto" panose="02000000000000000000" pitchFamily="2" charset="0"/>
                 <a:cs typeface="Roboto" panose="02000000000000000000" pitchFamily="2" charset="0"/>
               </a:rPr>
-              <a:t>Accuracy decline on different perturbations</a:t>
+              <a:t>by different perturbations</a:t>
             </a:r>
             <a:endParaRPr lang="en-US" sz="2000" dirty="0">
               <a:latin typeface="Roboto" panose="02000000000000000000" pitchFamily="2" charset="0"/>
@@ -3138,7 +3167,7 @@
         </p:nvSpPr>
         <p:spPr>
           <a:xfrm>
-            <a:off x="8382702" y="2085520"/>
+            <a:off x="8357302" y="1933120"/>
             <a:ext cx="5651281" cy="707886"/>
           </a:xfrm>
           <a:prstGeom prst="rect">
@@ -3182,7 +3211,37 @@
                 <a:ea typeface="Roboto" panose="02000000000000000000" pitchFamily="2" charset="0"/>
                 <a:cs typeface="Roboto" panose="02000000000000000000" pitchFamily="2" charset="0"/>
               </a:rPr>
-              <a:t>comprehensive testing framework for DL models</a:t>
+              <a:t>comprehensive testing </a:t>
+            </a:r>
+            <a:r>
+              <a:rPr lang="en-GB" sz="2000" b="1" i="0" dirty="0">
+                <a:solidFill>
+                  <a:srgbClr val="00B050"/>
+                </a:solidFill>
+                <a:effectLst/>
+                <a:highlight>
+                  <a:srgbClr val="FFFFFF"/>
+                </a:highlight>
+                <a:latin typeface="Roboto" panose="02000000000000000000" pitchFamily="2" charset="0"/>
+                <a:ea typeface="Roboto" panose="02000000000000000000" pitchFamily="2" charset="0"/>
+                <a:cs typeface="Roboto" panose="02000000000000000000" pitchFamily="2" charset="0"/>
+              </a:rPr>
+              <a:t>framework</a:t>
+            </a:r>
+            <a:r>
+              <a:rPr lang="en-GB" sz="2000" i="0" dirty="0">
+                <a:solidFill>
+                  <a:srgbClr val="0D0D0D"/>
+                </a:solidFill>
+                <a:effectLst/>
+                <a:highlight>
+                  <a:srgbClr val="FFFFFF"/>
+                </a:highlight>
+                <a:latin typeface="Roboto" panose="02000000000000000000" pitchFamily="2" charset="0"/>
+                <a:ea typeface="Roboto" panose="02000000000000000000" pitchFamily="2" charset="0"/>
+                <a:cs typeface="Roboto" panose="02000000000000000000" pitchFamily="2" charset="0"/>
+              </a:rPr>
+              <a:t> for DL applications</a:t>
             </a:r>
             <a:endParaRPr lang="en-US" sz="2000" dirty="0">
               <a:latin typeface="Roboto" panose="02000000000000000000" pitchFamily="2" charset="0"/>
@@ -3206,7 +3265,7 @@
         </p:nvSpPr>
         <p:spPr>
           <a:xfrm>
-            <a:off x="15363476" y="1876757"/>
+            <a:off x="15338076" y="1876757"/>
             <a:ext cx="5233562" cy="400110"/>
           </a:xfrm>
           <a:prstGeom prst="rect">
@@ -3268,9 +3327,9 @@
               <a:t> </a:t>
             </a:r>
             <a:r>
-              <a:rPr lang="en-GB" sz="2000" i="0" dirty="0">
-                <a:solidFill>
-                  <a:srgbClr val="0D0D0D"/>
+              <a:rPr lang="en-GB" sz="2000" b="1" i="0" dirty="0">
+                <a:solidFill>
+                  <a:srgbClr val="00B050"/>
                 </a:solidFill>
                 <a:effectLst/>
                 <a:highlight>
@@ -3280,9 +3339,27 @@
                 <a:ea typeface="Roboto" panose="02000000000000000000" pitchFamily="2" charset="0"/>
                 <a:cs typeface="Roboto" panose="02000000000000000000" pitchFamily="2" charset="0"/>
               </a:rPr>
-              <a:t>local to global robustness</a:t>
+              <a:t>local to global </a:t>
+            </a:r>
+            <a:r>
+              <a:rPr lang="en-GB" sz="2000" i="0" dirty="0">
+                <a:solidFill>
+                  <a:schemeClr val="tx1"/>
+                </a:solidFill>
+                <a:effectLst/>
+                <a:highlight>
+                  <a:srgbClr val="FFFFFF"/>
+                </a:highlight>
+                <a:latin typeface="Roboto" panose="02000000000000000000" pitchFamily="2" charset="0"/>
+                <a:ea typeface="Roboto" panose="02000000000000000000" pitchFamily="2" charset="0"/>
+                <a:cs typeface="Roboto" panose="02000000000000000000" pitchFamily="2" charset="0"/>
+              </a:rPr>
+              <a:t>robustness</a:t>
             </a:r>
             <a:endParaRPr lang="en-US" sz="2000" dirty="0">
+              <a:solidFill>
+                <a:schemeClr val="tx1"/>
+              </a:solidFill>
               <a:latin typeface="Roboto" panose="02000000000000000000" pitchFamily="2" charset="0"/>
               <a:ea typeface="Roboto" panose="02000000000000000000" pitchFamily="2" charset="0"/>
               <a:cs typeface="Roboto" panose="02000000000000000000" pitchFamily="2" charset="0"/>
@@ -3296,6 +3373,53 @@
             <a:extLst>
               <a:ext uri="{FF2B5EF4-FFF2-40B4-BE49-F238E27FC236}">
                 <a16:creationId xmlns:a16="http://schemas.microsoft.com/office/drawing/2014/main" id="{89E29C03-09C5-7F3A-30F7-5379371E7F49}"/>
+              </a:ext>
+            </a:extLst>
+          </p:cNvPr>
+          <p:cNvPicPr>
+            <a:picLocks noChangeAspect="1" noChangeArrowheads="1"/>
+          </p:cNvPicPr>
+          <p:nvPr/>
+        </p:nvPicPr>
+        <p:blipFill>
+          <a:blip r:embed="rId9">
+            <a:extLst>
+              <a:ext uri="{28A0092B-C50C-407E-A947-70E740481C1C}">
+                <a14:useLocalDpi xmlns:a14="http://schemas.microsoft.com/office/drawing/2010/main" val="0"/>
+              </a:ext>
+            </a:extLst>
+          </a:blip>
+          <a:srcRect/>
+          <a:stretch>
+            <a:fillRect/>
+          </a:stretch>
+        </p:blipFill>
+        <p:spPr bwMode="auto">
+          <a:xfrm>
+            <a:off x="7909841" y="2793406"/>
+            <a:ext cx="6537078" cy="6655172"/>
+          </a:xfrm>
+          <a:prstGeom prst="rect">
+            <a:avLst/>
+          </a:prstGeom>
+          <a:noFill/>
+          <a:extLst>
+            <a:ext uri="{909E8E84-426E-40DD-AFC4-6F175D3DCCD1}">
+              <a14:hiddenFill xmlns:a14="http://schemas.microsoft.com/office/drawing/2010/main">
+                <a:solidFill>
+                  <a:srgbClr val="FFFFFF"/>
+                </a:solidFill>
+              </a14:hiddenFill>
+            </a:ext>
+          </a:extLst>
+        </p:spPr>
+      </p:pic>
+      <p:pic>
+        <p:nvPicPr>
+          <p:cNvPr id="1052" name="Picture 28" descr="University of Kent | University Info | 88 PhDs in English - PhDportal.com">
+            <a:extLst>
+              <a:ext uri="{FF2B5EF4-FFF2-40B4-BE49-F238E27FC236}">
+                <a16:creationId xmlns:a16="http://schemas.microsoft.com/office/drawing/2014/main" id="{33967E37-88F8-5D8B-CB99-008828744888}"/>
               </a:ext>
             </a:extLst>
           </p:cNvPr>
@@ -3319,8 +3443,8 @@
         </p:blipFill>
         <p:spPr bwMode="auto">
           <a:xfrm>
-            <a:off x="7935241" y="2793406"/>
-            <a:ext cx="6537078" cy="6655172"/>
+            <a:off x="19156680" y="39517"/>
+            <a:ext cx="2066925" cy="1394612"/>
           </a:xfrm>
           <a:prstGeom prst="rect">
             <a:avLst/>
@@ -3337,12 +3461,80 @@
           </a:extLst>
         </p:spPr>
       </p:pic>
+      <p:sp>
+        <p:nvSpPr>
+          <p:cNvPr id="85" name="TextBox 84">
+            <a:extLst>
+              <a:ext uri="{FF2B5EF4-FFF2-40B4-BE49-F238E27FC236}">
+                <a16:creationId xmlns:a16="http://schemas.microsoft.com/office/drawing/2014/main" id="{7B831719-632C-AC19-4EAB-5B45B6B82194}"/>
+              </a:ext>
+            </a:extLst>
+          </p:cNvPr>
+          <p:cNvSpPr txBox="1"/>
+          <p:nvPr/>
+        </p:nvSpPr>
+        <p:spPr>
+          <a:xfrm>
+            <a:off x="704058" y="9694908"/>
+            <a:ext cx="5060068" cy="707886"/>
+          </a:xfrm>
+          <a:prstGeom prst="rect">
+            <a:avLst/>
+          </a:prstGeom>
+          <a:solidFill>
+            <a:schemeClr val="bg1"/>
+          </a:solidFill>
+        </p:spPr>
+        <p:txBody>
+          <a:bodyPr wrap="square">
+            <a:spAutoFit/>
+          </a:bodyPr>
+          <a:lstStyle/>
+          <a:p>
+            <a:r>
+              <a:rPr lang="en-GB" sz="2000" b="1" i="0" dirty="0">
+                <a:solidFill>
+                  <a:srgbClr val="0D0D0D"/>
+                </a:solidFill>
+                <a:effectLst/>
+                <a:highlight>
+                  <a:srgbClr val="FFFFFF"/>
+                </a:highlight>
+                <a:latin typeface="Roboto" panose="02000000000000000000" pitchFamily="2" charset="0"/>
+                <a:ea typeface="Roboto" panose="02000000000000000000" pitchFamily="2" charset="0"/>
+                <a:cs typeface="Roboto" panose="02000000000000000000" pitchFamily="2" charset="0"/>
+              </a:rPr>
+              <a:t> Result 1: </a:t>
+            </a:r>
+            <a:r>
+              <a:rPr lang="en-GB" sz="2000" i="0" dirty="0">
+                <a:solidFill>
+                  <a:srgbClr val="0D0D0D"/>
+                </a:solidFill>
+                <a:effectLst/>
+                <a:highlight>
+                  <a:srgbClr val="FFFFFF"/>
+                </a:highlight>
+                <a:latin typeface="Roboto" panose="02000000000000000000" pitchFamily="2" charset="0"/>
+                <a:ea typeface="Roboto" panose="02000000000000000000" pitchFamily="2" charset="0"/>
+                <a:cs typeface="Roboto" panose="02000000000000000000" pitchFamily="2" charset="0"/>
+              </a:rPr>
+              <a:t>generate test cases according to specification</a:t>
+            </a:r>
+            <a:endParaRPr lang="en-US" sz="2000" dirty="0">
+              <a:latin typeface="Roboto" panose="02000000000000000000" pitchFamily="2" charset="0"/>
+              <a:ea typeface="Roboto" panose="02000000000000000000" pitchFamily="2" charset="0"/>
+              <a:cs typeface="Roboto" panose="02000000000000000000" pitchFamily="2" charset="0"/>
+            </a:endParaRPr>
+          </a:p>
+        </p:txBody>
+      </p:sp>
       <p:pic>
         <p:nvPicPr>
-          <p:cNvPr id="1050" name="Picture 26">
+          <p:cNvPr id="1025" name="Picture 1">
             <a:extLst>
               <a:ext uri="{FF2B5EF4-FFF2-40B4-BE49-F238E27FC236}">
-                <a16:creationId xmlns:a16="http://schemas.microsoft.com/office/drawing/2014/main" id="{478E3A0E-B311-4DB8-A1EA-BE526644C1C8}"/>
+                <a16:creationId xmlns:a16="http://schemas.microsoft.com/office/drawing/2014/main" id="{BA764469-AA96-CE5E-A651-55DE20CF2049}"/>
               </a:ext>
             </a:extLst>
           </p:cNvPr>
@@ -3366,16 +3558,13 @@
         </p:blipFill>
         <p:spPr bwMode="auto">
           <a:xfrm>
-            <a:off x="364270" y="5838589"/>
-            <a:ext cx="7162371" cy="3728693"/>
+            <a:off x="255148" y="5830398"/>
+            <a:ext cx="7290530" cy="3568211"/>
           </a:xfrm>
           <a:prstGeom prst="rect">
             <a:avLst/>
           </a:prstGeom>
           <a:noFill/>
-          <a:ln>
-            <a:noFill/>
-          </a:ln>
           <a:extLst>
             <a:ext uri="{909E8E84-426E-40DD-AFC4-6F175D3DCCD1}">
               <a14:hiddenFill xmlns:a14="http://schemas.microsoft.com/office/drawing/2010/main">
@@ -3389,10 +3578,10 @@
       </p:pic>
       <p:pic>
         <p:nvPicPr>
-          <p:cNvPr id="1052" name="Picture 28" descr="University of Kent | University Info | 88 PhDs in English - PhDportal.com">
+          <p:cNvPr id="2" name="Picture 2">
             <a:extLst>
               <a:ext uri="{FF2B5EF4-FFF2-40B4-BE49-F238E27FC236}">
-                <a16:creationId xmlns:a16="http://schemas.microsoft.com/office/drawing/2014/main" id="{33967E37-88F8-5D8B-CB99-008828744888}"/>
+                <a16:creationId xmlns:a16="http://schemas.microsoft.com/office/drawing/2014/main" id="{BEECAA67-4AC0-CABB-4B1C-1081E62D7C45}"/>
               </a:ext>
             </a:extLst>
           </p:cNvPr>
@@ -3416,8 +3605,8 @@
         </p:blipFill>
         <p:spPr bwMode="auto">
           <a:xfrm>
-            <a:off x="19156680" y="39517"/>
-            <a:ext cx="2066925" cy="1394612"/>
+            <a:off x="15231337" y="2336353"/>
+            <a:ext cx="5233562" cy="7151135"/>
           </a:xfrm>
           <a:prstGeom prst="rect">
             <a:avLst/>
@@ -3434,74 +3623,6 @@
           </a:extLst>
         </p:spPr>
       </p:pic>
-      <p:sp>
-        <p:nvSpPr>
-          <p:cNvPr id="85" name="TextBox 84">
-            <a:extLst>
-              <a:ext uri="{FF2B5EF4-FFF2-40B4-BE49-F238E27FC236}">
-                <a16:creationId xmlns:a16="http://schemas.microsoft.com/office/drawing/2014/main" id="{7B831719-632C-AC19-4EAB-5B45B6B82194}"/>
-              </a:ext>
-            </a:extLst>
-          </p:cNvPr>
-          <p:cNvSpPr txBox="1"/>
-          <p:nvPr/>
-        </p:nvSpPr>
-        <p:spPr>
-          <a:xfrm>
-            <a:off x="729458" y="9695656"/>
-            <a:ext cx="3601961" cy="400110"/>
-          </a:xfrm>
-          <a:prstGeom prst="rect">
-            <a:avLst/>
-          </a:prstGeom>
-          <a:solidFill>
-            <a:schemeClr val="bg1"/>
-          </a:solidFill>
-        </p:spPr>
-        <p:txBody>
-          <a:bodyPr wrap="square">
-            <a:spAutoFit/>
-          </a:bodyPr>
-          <a:lstStyle/>
-          <a:p>
-            <a:r>
-              <a:rPr lang="en-GB" sz="2000" b="1" i="0" dirty="0">
-                <a:solidFill>
-                  <a:srgbClr val="0D0D0D"/>
-                </a:solidFill>
-                <a:effectLst/>
-                <a:highlight>
-                  <a:srgbClr val="FFFFFF"/>
-                </a:highlight>
-                <a:latin typeface="Roboto" panose="02000000000000000000" pitchFamily="2" charset="0"/>
-                <a:ea typeface="Roboto" panose="02000000000000000000" pitchFamily="2" charset="0"/>
-                <a:cs typeface="Roboto" panose="02000000000000000000" pitchFamily="2" charset="0"/>
-              </a:rPr>
-              <a:t> Result 1: </a:t>
-            </a:r>
-            <a:r>
-              <a:rPr lang="en-GB" sz="2000" i="0" dirty="0">
-                <a:solidFill>
-                  <a:srgbClr val="0D0D0D"/>
-                </a:solidFill>
-                <a:effectLst/>
-                <a:highlight>
-                  <a:srgbClr val="FFFFFF"/>
-                </a:highlight>
-                <a:latin typeface="Roboto" panose="02000000000000000000" pitchFamily="2" charset="0"/>
-                <a:ea typeface="Roboto" panose="02000000000000000000" pitchFamily="2" charset="0"/>
-                <a:cs typeface="Roboto" panose="02000000000000000000" pitchFamily="2" charset="0"/>
-              </a:rPr>
-              <a:t>generate test cases</a:t>
-            </a:r>
-            <a:endParaRPr lang="en-US" sz="2000" dirty="0">
-              <a:latin typeface="Roboto" panose="02000000000000000000" pitchFamily="2" charset="0"/>
-              <a:ea typeface="Roboto" panose="02000000000000000000" pitchFamily="2" charset="0"/>
-              <a:cs typeface="Roboto" panose="02000000000000000000" pitchFamily="2" charset="0"/>
-            </a:endParaRPr>
-          </a:p>
-        </p:txBody>
-      </p:sp>
     </p:spTree>
   </p:cSld>
   <p:clrMapOvr>
@@ -4089,26 +4210,6 @@
 </file>
 
 <file path=customXml/item1.xml><?xml version="1.0" encoding="utf-8"?>
-<p:properties xmlns:p="http://schemas.microsoft.com/office/2006/metadata/properties" xmlns:xsi="http://www.w3.org/2001/XMLSchema-instance" xmlns:pc="http://schemas.microsoft.com/office/infopath/2007/PartnerControls">
-  <documentManagement>
-    <TaxCatchAll xmlns="d19f0c6b-7bb2-4f56-9c1c-dcdc5ffda026" xsi:nil="true"/>
-    <lcf76f155ced4ddcb4097134ff3c332f xmlns="16c7774a-0a53-4222-bf53-f1e1d0b40214">
-      <Terms xmlns="http://schemas.microsoft.com/office/infopath/2007/PartnerControls"/>
-    </lcf76f155ced4ddcb4097134ff3c332f>
-  </documentManagement>
-</p:properties>
-</file>
-
-<file path=customXml/item2.xml><?xml version="1.0" encoding="utf-8"?>
-<?mso-contentType ?>
-<FormTemplates xmlns="http://schemas.microsoft.com/sharepoint/v3/contenttype/forms">
-  <Display>DocumentLibraryForm</Display>
-  <Edit>DocumentLibraryForm</Edit>
-  <New>DocumentLibraryForm</New>
-</FormTemplates>
-</file>
-
-<file path=customXml/item3.xml><?xml version="1.0" encoding="utf-8"?>
 <ct:contentTypeSchema xmlns:ct="http://schemas.microsoft.com/office/2006/metadata/contentType" xmlns:ma="http://schemas.microsoft.com/office/2006/metadata/properties/metaAttributes" ct:_="" ma:_="" ma:contentTypeName="Document" ma:contentTypeID="0x01010046A2417C011FAD419D2D07E30744C8FC" ma:contentTypeVersion="16" ma:contentTypeDescription="Create a new document." ma:contentTypeScope="" ma:versionID="be65eef20df53d4b7897dcee1fd7b33b">
   <xsd:schema xmlns:xsd="http://www.w3.org/2001/XMLSchema" xmlns:xs="http://www.w3.org/2001/XMLSchema" xmlns:p="http://schemas.microsoft.com/office/2006/metadata/properties" xmlns:ns2="16c7774a-0a53-4222-bf53-f1e1d0b40214" xmlns:ns3="d19f0c6b-7bb2-4f56-9c1c-dcdc5ffda026" targetNamespace="http://schemas.microsoft.com/office/2006/metadata/properties" ma:root="true" ma:fieldsID="4f712af57c985d822387b80782cb3693" ns2:_="" ns3:_="">
     <xsd:import namespace="16c7774a-0a53-4222-bf53-f1e1d0b40214"/>
@@ -4351,32 +4452,27 @@
 </ct:contentTypeSchema>
 </file>
 
-<file path=customXml/itemProps1.xml><?xml version="1.0" encoding="utf-8"?>
-<ds:datastoreItem xmlns:ds="http://schemas.openxmlformats.org/officeDocument/2006/customXml" ds:itemID="{AEE2EF5B-7153-4321-ACDD-46C6D481A9EB}">
-  <ds:schemaRefs>
-    <ds:schemaRef ds:uri="http://schemas.microsoft.com/office/infopath/2007/PartnerControls"/>
-    <ds:schemaRef ds:uri="http://schemas.microsoft.com/office/2006/documentManagement/types"/>
-    <ds:schemaRef ds:uri="http://www.w3.org/XML/1998/namespace"/>
-    <ds:schemaRef ds:uri="http://schemas.openxmlformats.org/package/2006/metadata/core-properties"/>
-    <ds:schemaRef ds:uri="d19f0c6b-7bb2-4f56-9c1c-dcdc5ffda026"/>
-    <ds:schemaRef ds:uri="http://purl.org/dc/dcmitype/"/>
-    <ds:schemaRef ds:uri="http://schemas.microsoft.com/office/2006/metadata/properties"/>
-    <ds:schemaRef ds:uri="http://purl.org/dc/terms/"/>
-    <ds:schemaRef ds:uri="16c7774a-0a53-4222-bf53-f1e1d0b40214"/>
-    <ds:schemaRef ds:uri="http://purl.org/dc/elements/1.1/"/>
-  </ds:schemaRefs>
-</ds:datastoreItem>
+<file path=customXml/item2.xml><?xml version="1.0" encoding="utf-8"?>
+<?mso-contentType ?>
+<FormTemplates xmlns="http://schemas.microsoft.com/sharepoint/v3/contenttype/forms">
+  <Display>DocumentLibraryForm</Display>
+  <Edit>DocumentLibraryForm</Edit>
+  <New>DocumentLibraryForm</New>
+</FormTemplates>
 </file>
 
-<file path=customXml/itemProps2.xml><?xml version="1.0" encoding="utf-8"?>
-<ds:datastoreItem xmlns:ds="http://schemas.openxmlformats.org/officeDocument/2006/customXml" ds:itemID="{4B2D238A-2AE1-45C2-80C0-B2F74955AB90}">
-  <ds:schemaRefs>
-    <ds:schemaRef ds:uri="http://schemas.microsoft.com/sharepoint/v3/contenttype/forms"/>
-  </ds:schemaRefs>
-</ds:datastoreItem>
+<file path=customXml/item3.xml><?xml version="1.0" encoding="utf-8"?>
+<p:properties xmlns:p="http://schemas.microsoft.com/office/2006/metadata/properties" xmlns:xsi="http://www.w3.org/2001/XMLSchema-instance" xmlns:pc="http://schemas.microsoft.com/office/infopath/2007/PartnerControls">
+  <documentManagement>
+    <TaxCatchAll xmlns="d19f0c6b-7bb2-4f56-9c1c-dcdc5ffda026" xsi:nil="true"/>
+    <lcf76f155ced4ddcb4097134ff3c332f xmlns="16c7774a-0a53-4222-bf53-f1e1d0b40214">
+      <Terms xmlns="http://schemas.microsoft.com/office/infopath/2007/PartnerControls"/>
+    </lcf76f155ced4ddcb4097134ff3c332f>
+  </documentManagement>
+</p:properties>
 </file>
 
-<file path=customXml/itemProps3.xml><?xml version="1.0" encoding="utf-8"?>
+<file path=customXml/itemProps1.xml><?xml version="1.0" encoding="utf-8"?>
 <ds:datastoreItem xmlns:ds="http://schemas.openxmlformats.org/officeDocument/2006/customXml" ds:itemID="{BFD57306-B010-49C0-8065-9B020CAE83FF}">
   <ds:schemaRefs>
     <ds:schemaRef ds:uri="16c7774a-0a53-4222-bf53-f1e1d0b40214"/>
@@ -4393,4 +4489,29 @@
     <ds:schemaRef ds:uri="http://www.w3.org/2001/XMLSchema"/>
   </ds:schemaRefs>
 </ds:datastoreItem>
+</file>
+
+<file path=customXml/itemProps2.xml><?xml version="1.0" encoding="utf-8"?>
+<ds:datastoreItem xmlns:ds="http://schemas.openxmlformats.org/officeDocument/2006/customXml" ds:itemID="{4B2D238A-2AE1-45C2-80C0-B2F74955AB90}">
+  <ds:schemaRefs>
+    <ds:schemaRef ds:uri="http://schemas.microsoft.com/sharepoint/v3/contenttype/forms"/>
+  </ds:schemaRefs>
+</ds:datastoreItem>
+</file>
+
+<file path=customXml/itemProps3.xml><?xml version="1.0" encoding="utf-8"?>
+<ds:datastoreItem xmlns:ds="http://schemas.openxmlformats.org/officeDocument/2006/customXml" ds:itemID="{AEE2EF5B-7153-4321-ACDD-46C6D481A9EB}">
+  <ds:schemaRefs>
+    <ds:schemaRef ds:uri="http://schemas.microsoft.com/office/infopath/2007/PartnerControls"/>
+    <ds:schemaRef ds:uri="http://schemas.microsoft.com/office/2006/documentManagement/types"/>
+    <ds:schemaRef ds:uri="http://www.w3.org/XML/1998/namespace"/>
+    <ds:schemaRef ds:uri="http://schemas.openxmlformats.org/package/2006/metadata/core-properties"/>
+    <ds:schemaRef ds:uri="d19f0c6b-7bb2-4f56-9c1c-dcdc5ffda026"/>
+    <ds:schemaRef ds:uri="http://purl.org/dc/dcmitype/"/>
+    <ds:schemaRef ds:uri="http://schemas.microsoft.com/office/2006/metadata/properties"/>
+    <ds:schemaRef ds:uri="http://purl.org/dc/terms/"/>
+    <ds:schemaRef ds:uri="16c7774a-0a53-4222-bf53-f1e1d0b40214"/>
+    <ds:schemaRef ds:uri="http://purl.org/dc/elements/1.1/"/>
+  </ds:schemaRefs>
+</ds:datastoreItem>
 </file>
--- a/MiniProject/PHD_Symposium.pptx
+++ b/MiniProject/PHD_Symposium.pptx
@@ -1760,10 +1760,10 @@
       </p:pic>
       <p:pic>
         <p:nvPicPr>
-          <p:cNvPr id="93" name="Picture 92" descr="A collage of a cat&#10;&#10;Description automatically generated">
+          <p:cNvPr id="4" name="Picture 3" descr="A graph with green and blue squares&#10;&#10;Description automatically generated">
             <a:extLst>
               <a:ext uri="{FF2B5EF4-FFF2-40B4-BE49-F238E27FC236}">
-                <a16:creationId xmlns:a16="http://schemas.microsoft.com/office/drawing/2014/main" id="{355D7D80-A3DE-7708-377D-EFCE616E6BBB}"/>
+                <a16:creationId xmlns:a16="http://schemas.microsoft.com/office/drawing/2014/main" id="{F934294F-428E-1129-F23A-551B86B67A64}"/>
               </a:ext>
             </a:extLst>
           </p:cNvPr>
@@ -1780,13 +1780,13 @@
               </a:ext>
             </a:extLst>
           </a:blip>
-          <a:srcRect l="10299" t="6967" r="4717" b="8731"/>
+          <a:srcRect l="5002" t="5798" r="11134" b="519"/>
           <a:stretch/>
         </p:blipFill>
         <p:spPr>
           <a:xfrm>
-            <a:off x="662787" y="10037934"/>
-            <a:ext cx="4735868" cy="4697758"/>
+            <a:off x="12589192" y="10391758"/>
+            <a:ext cx="8205989" cy="4583554"/>
           </a:xfrm>
           <a:prstGeom prst="rect">
             <a:avLst/>
@@ -1795,10 +1795,10 @@
       </p:pic>
       <p:pic>
         <p:nvPicPr>
-          <p:cNvPr id="91" name="Picture 90" descr="A graph of a number of degrees&#10;&#10;Description automatically generated">
+          <p:cNvPr id="93" name="Picture 92" descr="A collage of a cat&#10;&#10;Description automatically generated">
             <a:extLst>
               <a:ext uri="{FF2B5EF4-FFF2-40B4-BE49-F238E27FC236}">
-                <a16:creationId xmlns:a16="http://schemas.microsoft.com/office/drawing/2014/main" id="{07F42C01-2C33-9C74-738D-75170BC5B028}"/>
+                <a16:creationId xmlns:a16="http://schemas.microsoft.com/office/drawing/2014/main" id="{355D7D80-A3DE-7708-377D-EFCE616E6BBB}"/>
               </a:ext>
             </a:extLst>
           </p:cNvPr>
@@ -1815,13 +1815,13 @@
               </a:ext>
             </a:extLst>
           </a:blip>
-          <a:srcRect l="5990" r="7650"/>
+          <a:srcRect l="10299" t="6967" r="4717" b="8731"/>
           <a:stretch/>
         </p:blipFill>
         <p:spPr>
           <a:xfrm>
-            <a:off x="13119100" y="9927837"/>
-            <a:ext cx="8053873" cy="5086042"/>
+            <a:off x="662787" y="10037934"/>
+            <a:ext cx="4735868" cy="4697758"/>
           </a:xfrm>
           <a:prstGeom prst="rect">
             <a:avLst/>
@@ -2442,13 +2442,20 @@
           <a:p>
             <a:pPr algn="ctr"/>
             <a:r>
-              <a:rPr lang="en-GB" sz="2000" i="0" u="none" strike="noStrike" dirty="0">
+              <a:rPr lang="en-GB" sz="2000" b="1" i="0" u="none" strike="noStrike" dirty="0">
+                <a:solidFill>
+                  <a:srgbClr val="FF0000"/>
+                </a:solidFill>
                 <a:effectLst/>
                 <a:latin typeface="Roboto" panose="020F0502020204030204" pitchFamily="34" charset="0"/>
               </a:rPr>
               <a:t>DOG</a:t>
             </a:r>
-            <a:endParaRPr lang="en-GB" sz="2000" dirty="0"/>
+            <a:endParaRPr lang="en-GB" sz="2000" b="1" dirty="0">
+              <a:solidFill>
+                <a:srgbClr val="FF0000"/>
+              </a:solidFill>
+            </a:endParaRPr>
           </a:p>
         </p:txBody>
       </p:sp>
@@ -2629,7 +2636,7 @@
         </p:nvSpPr>
         <p:spPr>
           <a:xfrm>
-            <a:off x="7875898" y="2138207"/>
+            <a:off x="7818748" y="2138207"/>
             <a:ext cx="6564591" cy="7465652"/>
           </a:xfrm>
           <a:prstGeom prst="roundRect">
@@ -3443,7 +3450,7 @@
         </p:blipFill>
         <p:spPr bwMode="auto">
           <a:xfrm>
-            <a:off x="19156680" y="39517"/>
+            <a:off x="19156680" y="-3013"/>
             <a:ext cx="2066925" cy="1394612"/>
           </a:xfrm>
           <a:prstGeom prst="rect">
@@ -3578,10 +3585,10 @@
       </p:pic>
       <p:pic>
         <p:nvPicPr>
-          <p:cNvPr id="2" name="Picture 2">
+          <p:cNvPr id="1029" name="Picture 5">
             <a:extLst>
               <a:ext uri="{FF2B5EF4-FFF2-40B4-BE49-F238E27FC236}">
-                <a16:creationId xmlns:a16="http://schemas.microsoft.com/office/drawing/2014/main" id="{BEECAA67-4AC0-CABB-4B1C-1081E62D7C45}"/>
+                <a16:creationId xmlns:a16="http://schemas.microsoft.com/office/drawing/2014/main" id="{0139222B-4DA1-6B2B-A6D1-BA45B31FAA65}"/>
               </a:ext>
             </a:extLst>
           </p:cNvPr>
@@ -3605,8 +3612,8 @@
         </p:blipFill>
         <p:spPr bwMode="auto">
           <a:xfrm>
-            <a:off x="15231337" y="2336353"/>
-            <a:ext cx="5233562" cy="7151135"/>
+            <a:off x="15132704" y="2289394"/>
+            <a:ext cx="5515115" cy="7239528"/>
           </a:xfrm>
           <a:prstGeom prst="rect">
             <a:avLst/>
